--- a/presentations/source/09-Security.pptx
+++ b/presentations/source/09-Security.pptx
@@ -230,7 +230,7 @@
             <a:fld id="{7307762F-A706-E543-A832-3C298AA3103F}" type="datetimeFigureOut">
               <a:rPr lang="en-US" smtClean="0"/>
               <a:pPr/>
-              <a:t>07/12/2012</a:t>
+              <a:t>18/12/2012</a:t>
             </a:fld>
             <a:endParaRPr lang="en-US" dirty="0"/>
           </a:p>
@@ -797,7 +797,7 @@
           <a:p>
             <a:fld id="{875CF0EB-321F-0749-B37A-89BBA859503C}" type="datetimeFigureOut">
               <a:rPr lang="en-US" smtClean="0"/>
-              <a:t>07/12/2012</a:t>
+              <a:t>18/12/2012</a:t>
             </a:fld>
             <a:endParaRPr lang="en-US"/>
           </a:p>
@@ -1001,7 +1001,7 @@
           <a:p>
             <a:fld id="{875CF0EB-321F-0749-B37A-89BBA859503C}" type="datetimeFigureOut">
               <a:rPr lang="en-US" smtClean="0"/>
-              <a:t>07/12/2012</a:t>
+              <a:t>18/12/2012</a:t>
             </a:fld>
             <a:endParaRPr lang="en-US"/>
           </a:p>
@@ -1195,7 +1195,7 @@
           <a:p>
             <a:fld id="{875CF0EB-321F-0749-B37A-89BBA859503C}" type="datetimeFigureOut">
               <a:rPr lang="en-US" smtClean="0"/>
-              <a:t>07/12/2012</a:t>
+              <a:t>18/12/2012</a:t>
             </a:fld>
             <a:endParaRPr lang="en-US"/>
           </a:p>
@@ -1465,7 +1465,7 @@
           <a:p>
             <a:fld id="{875CF0EB-321F-0749-B37A-89BBA859503C}" type="datetimeFigureOut">
               <a:rPr lang="en-US" smtClean="0"/>
-              <a:t>07/12/2012</a:t>
+              <a:t>18/12/2012</a:t>
             </a:fld>
             <a:endParaRPr lang="en-US"/>
           </a:p>
@@ -1777,7 +1777,7 @@
           <a:p>
             <a:fld id="{875CF0EB-321F-0749-B37A-89BBA859503C}" type="datetimeFigureOut">
               <a:rPr lang="en-US" smtClean="0"/>
-              <a:t>07/12/2012</a:t>
+              <a:t>18/12/2012</a:t>
             </a:fld>
             <a:endParaRPr lang="en-US"/>
           </a:p>
@@ -2223,7 +2223,7 @@
           <a:p>
             <a:fld id="{875CF0EB-321F-0749-B37A-89BBA859503C}" type="datetimeFigureOut">
               <a:rPr lang="en-US" smtClean="0"/>
-              <a:t>07/12/2012</a:t>
+              <a:t>18/12/2012</a:t>
             </a:fld>
             <a:endParaRPr lang="en-US"/>
           </a:p>
@@ -2365,7 +2365,7 @@
           <a:p>
             <a:fld id="{875CF0EB-321F-0749-B37A-89BBA859503C}" type="datetimeFigureOut">
               <a:rPr lang="en-US" smtClean="0"/>
-              <a:t>07/12/2012</a:t>
+              <a:t>18/12/2012</a:t>
             </a:fld>
             <a:endParaRPr lang="en-US"/>
           </a:p>
@@ -2484,7 +2484,7 @@
           <a:p>
             <a:fld id="{875CF0EB-321F-0749-B37A-89BBA859503C}" type="datetimeFigureOut">
               <a:rPr lang="en-US" smtClean="0"/>
-              <a:t>07/12/2012</a:t>
+              <a:t>18/12/2012</a:t>
             </a:fld>
             <a:endParaRPr lang="en-US"/>
           </a:p>
@@ -2785,7 +2785,7 @@
           <a:p>
             <a:fld id="{875CF0EB-321F-0749-B37A-89BBA859503C}" type="datetimeFigureOut">
               <a:rPr lang="en-US" smtClean="0"/>
-              <a:t>07/12/2012</a:t>
+              <a:t>18/12/2012</a:t>
             </a:fld>
             <a:endParaRPr lang="en-US"/>
           </a:p>
@@ -3062,7 +3062,7 @@
           <a:p>
             <a:fld id="{875CF0EB-321F-0749-B37A-89BBA859503C}" type="datetimeFigureOut">
               <a:rPr lang="en-US" smtClean="0"/>
-              <a:t>07/12/2012</a:t>
+              <a:t>18/12/2012</a:t>
             </a:fld>
             <a:endParaRPr lang="en-US"/>
           </a:p>
@@ -3885,6 +3885,33 @@
           <a:bodyPr/>
           <a:lstStyle/>
           <a:p>
+            <a:r>
+              <a:rPr lang="en-US" dirty="0">
+                <a:ea typeface="ヒラギノ角ゴ ProN W3" charset="0"/>
+                <a:cs typeface="ヒラギノ角ゴ ProN W3" charset="0"/>
+              </a:rPr>
+              <a:t>Oxford University </a:t>
+            </a:r>
+          </a:p>
+          <a:p>
+            <a:r>
+              <a:rPr lang="en-US" dirty="0">
+                <a:ea typeface="ヒラギノ角ゴ ProN W3" charset="0"/>
+                <a:cs typeface="ヒラギノ角ゴ ProN W3" charset="0"/>
+              </a:rPr>
+              <a:t>Software Engineering Programme</a:t>
+            </a:r>
+          </a:p>
+          <a:p>
+            <a:r>
+              <a:rPr lang="en-US">
+                <a:ea typeface="ヒラギノ角ゴ ProN W3" charset="0"/>
+                <a:cs typeface="ヒラギノ角ゴ ProN W3" charset="0"/>
+              </a:rPr>
+              <a:t>Dec 2012</a:t>
+            </a:r>
+          </a:p>
+          <a:p>
             <a:endParaRPr lang="en-US" dirty="0"/>
           </a:p>
         </p:txBody>
@@ -5155,11 +5182,7 @@
           <a:p>
             <a:r>
               <a:rPr lang="en-US" dirty="0" smtClean="0"/>
-              <a:t>Non-</a:t>
-            </a:r>
-            <a:r>
-              <a:rPr lang="en-US" dirty="0" smtClean="0"/>
-              <a:t>Repudiation</a:t>
+              <a:t>Non-Repudiation</a:t>
             </a:r>
           </a:p>
           <a:p>

--- a/presentations/source/09-Security.pptx
+++ b/presentations/source/09-Security.pptx
@@ -230,7 +230,7 @@
             <a:fld id="{7307762F-A706-E543-A832-3C298AA3103F}" type="datetimeFigureOut">
               <a:rPr lang="en-US" smtClean="0"/>
               <a:pPr/>
-              <a:t>18/12/2012</a:t>
+              <a:t>11/27/13</a:t>
             </a:fld>
             <a:endParaRPr lang="en-US" dirty="0"/>
           </a:p>
@@ -797,7 +797,7 @@
           <a:p>
             <a:fld id="{875CF0EB-321F-0749-B37A-89BBA859503C}" type="datetimeFigureOut">
               <a:rPr lang="en-US" smtClean="0"/>
-              <a:t>18/12/2012</a:t>
+              <a:t>11/27/13</a:t>
             </a:fld>
             <a:endParaRPr lang="en-US"/>
           </a:p>
@@ -1001,7 +1001,7 @@
           <a:p>
             <a:fld id="{875CF0EB-321F-0749-B37A-89BBA859503C}" type="datetimeFigureOut">
               <a:rPr lang="en-US" smtClean="0"/>
-              <a:t>18/12/2012</a:t>
+              <a:t>11/27/13</a:t>
             </a:fld>
             <a:endParaRPr lang="en-US"/>
           </a:p>
@@ -1195,7 +1195,7 @@
           <a:p>
             <a:fld id="{875CF0EB-321F-0749-B37A-89BBA859503C}" type="datetimeFigureOut">
               <a:rPr lang="en-US" smtClean="0"/>
-              <a:t>18/12/2012</a:t>
+              <a:t>11/27/13</a:t>
             </a:fld>
             <a:endParaRPr lang="en-US"/>
           </a:p>
@@ -1465,7 +1465,7 @@
           <a:p>
             <a:fld id="{875CF0EB-321F-0749-B37A-89BBA859503C}" type="datetimeFigureOut">
               <a:rPr lang="en-US" smtClean="0"/>
-              <a:t>18/12/2012</a:t>
+              <a:t>11/27/13</a:t>
             </a:fld>
             <a:endParaRPr lang="en-US"/>
           </a:p>
@@ -1777,7 +1777,7 @@
           <a:p>
             <a:fld id="{875CF0EB-321F-0749-B37A-89BBA859503C}" type="datetimeFigureOut">
               <a:rPr lang="en-US" smtClean="0"/>
-              <a:t>18/12/2012</a:t>
+              <a:t>11/27/13</a:t>
             </a:fld>
             <a:endParaRPr lang="en-US"/>
           </a:p>
@@ -2223,7 +2223,7 @@
           <a:p>
             <a:fld id="{875CF0EB-321F-0749-B37A-89BBA859503C}" type="datetimeFigureOut">
               <a:rPr lang="en-US" smtClean="0"/>
-              <a:t>18/12/2012</a:t>
+              <a:t>11/27/13</a:t>
             </a:fld>
             <a:endParaRPr lang="en-US"/>
           </a:p>
@@ -2365,7 +2365,7 @@
           <a:p>
             <a:fld id="{875CF0EB-321F-0749-B37A-89BBA859503C}" type="datetimeFigureOut">
               <a:rPr lang="en-US" smtClean="0"/>
-              <a:t>18/12/2012</a:t>
+              <a:t>11/27/13</a:t>
             </a:fld>
             <a:endParaRPr lang="en-US"/>
           </a:p>
@@ -2484,7 +2484,7 @@
           <a:p>
             <a:fld id="{875CF0EB-321F-0749-B37A-89BBA859503C}" type="datetimeFigureOut">
               <a:rPr lang="en-US" smtClean="0"/>
-              <a:t>18/12/2012</a:t>
+              <a:t>11/27/13</a:t>
             </a:fld>
             <a:endParaRPr lang="en-US"/>
           </a:p>
@@ -2785,7 +2785,7 @@
           <a:p>
             <a:fld id="{875CF0EB-321F-0749-B37A-89BBA859503C}" type="datetimeFigureOut">
               <a:rPr lang="en-US" smtClean="0"/>
-              <a:t>18/12/2012</a:t>
+              <a:t>11/27/13</a:t>
             </a:fld>
             <a:endParaRPr lang="en-US"/>
           </a:p>
@@ -3062,7 +3062,7 @@
           <a:p>
             <a:fld id="{875CF0EB-321F-0749-B37A-89BBA859503C}" type="datetimeFigureOut">
               <a:rPr lang="en-US" smtClean="0"/>
-              <a:t>18/12/2012</a:t>
+              <a:t>11/27/13</a:t>
             </a:fld>
             <a:endParaRPr lang="en-US"/>
           </a:p>
@@ -3908,8 +3908,19 @@
                 <a:ea typeface="ヒラギノ角ゴ ProN W3" charset="0"/>
                 <a:cs typeface="ヒラギノ角ゴ ProN W3" charset="0"/>
               </a:rPr>
-              <a:t>Dec 2012</a:t>
-            </a:r>
+              <a:t>Dec </a:t>
+            </a:r>
+            <a:r>
+              <a:rPr lang="en-US" smtClean="0">
+                <a:ea typeface="ヒラギノ角ゴ ProN W3" charset="0"/>
+                <a:cs typeface="ヒラギノ角ゴ ProN W3" charset="0"/>
+              </a:rPr>
+              <a:t>2013</a:t>
+            </a:r>
+            <a:endParaRPr lang="en-US">
+              <a:ea typeface="ヒラギノ角ゴ ProN W3" charset="0"/>
+              <a:cs typeface="ヒラギノ角ゴ ProN W3" charset="0"/>
+            </a:endParaRPr>
           </a:p>
           <a:p>
             <a:endParaRPr lang="en-US" dirty="0"/>

--- a/presentations/source/09-Security.pptx
+++ b/presentations/source/09-Security.pptx
@@ -230,7 +230,7 @@
             <a:fld id="{7307762F-A706-E543-A832-3C298AA3103F}" type="datetimeFigureOut">
               <a:rPr lang="en-US" smtClean="0"/>
               <a:pPr/>
-              <a:t>11/27/13</a:t>
+              <a:t>11/21/14</a:t>
             </a:fld>
             <a:endParaRPr lang="en-US" dirty="0"/>
           </a:p>
@@ -797,7 +797,7 @@
           <a:p>
             <a:fld id="{875CF0EB-321F-0749-B37A-89BBA859503C}" type="datetimeFigureOut">
               <a:rPr lang="en-US" smtClean="0"/>
-              <a:t>11/27/13</a:t>
+              <a:t>11/21/14</a:t>
             </a:fld>
             <a:endParaRPr lang="en-US"/>
           </a:p>
@@ -1001,7 +1001,7 @@
           <a:p>
             <a:fld id="{875CF0EB-321F-0749-B37A-89BBA859503C}" type="datetimeFigureOut">
               <a:rPr lang="en-US" smtClean="0"/>
-              <a:t>11/27/13</a:t>
+              <a:t>11/21/14</a:t>
             </a:fld>
             <a:endParaRPr lang="en-US"/>
           </a:p>
@@ -1195,7 +1195,7 @@
           <a:p>
             <a:fld id="{875CF0EB-321F-0749-B37A-89BBA859503C}" type="datetimeFigureOut">
               <a:rPr lang="en-US" smtClean="0"/>
-              <a:t>11/27/13</a:t>
+              <a:t>11/21/14</a:t>
             </a:fld>
             <a:endParaRPr lang="en-US"/>
           </a:p>
@@ -1465,7 +1465,7 @@
           <a:p>
             <a:fld id="{875CF0EB-321F-0749-B37A-89BBA859503C}" type="datetimeFigureOut">
               <a:rPr lang="en-US" smtClean="0"/>
-              <a:t>11/27/13</a:t>
+              <a:t>11/21/14</a:t>
             </a:fld>
             <a:endParaRPr lang="en-US"/>
           </a:p>
@@ -1777,7 +1777,7 @@
           <a:p>
             <a:fld id="{875CF0EB-321F-0749-B37A-89BBA859503C}" type="datetimeFigureOut">
               <a:rPr lang="en-US" smtClean="0"/>
-              <a:t>11/27/13</a:t>
+              <a:t>11/21/14</a:t>
             </a:fld>
             <a:endParaRPr lang="en-US"/>
           </a:p>
@@ -2223,7 +2223,7 @@
           <a:p>
             <a:fld id="{875CF0EB-321F-0749-B37A-89BBA859503C}" type="datetimeFigureOut">
               <a:rPr lang="en-US" smtClean="0"/>
-              <a:t>11/27/13</a:t>
+              <a:t>11/21/14</a:t>
             </a:fld>
             <a:endParaRPr lang="en-US"/>
           </a:p>
@@ -2365,7 +2365,7 @@
           <a:p>
             <a:fld id="{875CF0EB-321F-0749-B37A-89BBA859503C}" type="datetimeFigureOut">
               <a:rPr lang="en-US" smtClean="0"/>
-              <a:t>11/27/13</a:t>
+              <a:t>11/21/14</a:t>
             </a:fld>
             <a:endParaRPr lang="en-US"/>
           </a:p>
@@ -2484,7 +2484,7 @@
           <a:p>
             <a:fld id="{875CF0EB-321F-0749-B37A-89BBA859503C}" type="datetimeFigureOut">
               <a:rPr lang="en-US" smtClean="0"/>
-              <a:t>11/27/13</a:t>
+              <a:t>11/21/14</a:t>
             </a:fld>
             <a:endParaRPr lang="en-US"/>
           </a:p>
@@ -2785,7 +2785,7 @@
           <a:p>
             <a:fld id="{875CF0EB-321F-0749-B37A-89BBA859503C}" type="datetimeFigureOut">
               <a:rPr lang="en-US" smtClean="0"/>
-              <a:t>11/27/13</a:t>
+              <a:t>11/21/14</a:t>
             </a:fld>
             <a:endParaRPr lang="en-US"/>
           </a:p>
@@ -3062,7 +3062,7 @@
           <a:p>
             <a:fld id="{875CF0EB-321F-0749-B37A-89BBA859503C}" type="datetimeFigureOut">
               <a:rPr lang="en-US" smtClean="0"/>
-              <a:t>11/27/13</a:t>
+              <a:t>11/21/14</a:t>
             </a:fld>
             <a:endParaRPr lang="en-US"/>
           </a:p>
@@ -3915,7 +3915,7 @@
                 <a:ea typeface="ヒラギノ角ゴ ProN W3" charset="0"/>
                 <a:cs typeface="ヒラギノ角ゴ ProN W3" charset="0"/>
               </a:rPr>
-              <a:t>2013</a:t>
+              <a:t>2014</a:t>
             </a:r>
             <a:endParaRPr lang="en-US">
               <a:ea typeface="ヒラギノ角ゴ ProN W3" charset="0"/>

--- a/presentations/source/09-Security.pptx
+++ b/presentations/source/09-Security.pptx
@@ -230,7 +230,7 @@
             <a:fld id="{7307762F-A706-E543-A832-3C298AA3103F}" type="datetimeFigureOut">
               <a:rPr lang="en-US" smtClean="0"/>
               <a:pPr/>
-              <a:t>11/21/14</a:t>
+              <a:t>08/09/15</a:t>
             </a:fld>
             <a:endParaRPr lang="en-US" dirty="0"/>
           </a:p>
@@ -797,7 +797,7 @@
           <a:p>
             <a:fld id="{875CF0EB-321F-0749-B37A-89BBA859503C}" type="datetimeFigureOut">
               <a:rPr lang="en-US" smtClean="0"/>
-              <a:t>11/21/14</a:t>
+              <a:t>08/09/15</a:t>
             </a:fld>
             <a:endParaRPr lang="en-US"/>
           </a:p>
@@ -1001,7 +1001,7 @@
           <a:p>
             <a:fld id="{875CF0EB-321F-0749-B37A-89BBA859503C}" type="datetimeFigureOut">
               <a:rPr lang="en-US" smtClean="0"/>
-              <a:t>11/21/14</a:t>
+              <a:t>08/09/15</a:t>
             </a:fld>
             <a:endParaRPr lang="en-US"/>
           </a:p>
@@ -1195,7 +1195,7 @@
           <a:p>
             <a:fld id="{875CF0EB-321F-0749-B37A-89BBA859503C}" type="datetimeFigureOut">
               <a:rPr lang="en-US" smtClean="0"/>
-              <a:t>11/21/14</a:t>
+              <a:t>08/09/15</a:t>
             </a:fld>
             <a:endParaRPr lang="en-US"/>
           </a:p>
@@ -1465,7 +1465,7 @@
           <a:p>
             <a:fld id="{875CF0EB-321F-0749-B37A-89BBA859503C}" type="datetimeFigureOut">
               <a:rPr lang="en-US" smtClean="0"/>
-              <a:t>11/21/14</a:t>
+              <a:t>08/09/15</a:t>
             </a:fld>
             <a:endParaRPr lang="en-US"/>
           </a:p>
@@ -1777,7 +1777,7 @@
           <a:p>
             <a:fld id="{875CF0EB-321F-0749-B37A-89BBA859503C}" type="datetimeFigureOut">
               <a:rPr lang="en-US" smtClean="0"/>
-              <a:t>11/21/14</a:t>
+              <a:t>08/09/15</a:t>
             </a:fld>
             <a:endParaRPr lang="en-US"/>
           </a:p>
@@ -2223,7 +2223,7 @@
           <a:p>
             <a:fld id="{875CF0EB-321F-0749-B37A-89BBA859503C}" type="datetimeFigureOut">
               <a:rPr lang="en-US" smtClean="0"/>
-              <a:t>11/21/14</a:t>
+              <a:t>08/09/15</a:t>
             </a:fld>
             <a:endParaRPr lang="en-US"/>
           </a:p>
@@ -2365,7 +2365,7 @@
           <a:p>
             <a:fld id="{875CF0EB-321F-0749-B37A-89BBA859503C}" type="datetimeFigureOut">
               <a:rPr lang="en-US" smtClean="0"/>
-              <a:t>11/21/14</a:t>
+              <a:t>08/09/15</a:t>
             </a:fld>
             <a:endParaRPr lang="en-US"/>
           </a:p>
@@ -2484,7 +2484,7 @@
           <a:p>
             <a:fld id="{875CF0EB-321F-0749-B37A-89BBA859503C}" type="datetimeFigureOut">
               <a:rPr lang="en-US" smtClean="0"/>
-              <a:t>11/21/14</a:t>
+              <a:t>08/09/15</a:t>
             </a:fld>
             <a:endParaRPr lang="en-US"/>
           </a:p>
@@ -2785,7 +2785,7 @@
           <a:p>
             <a:fld id="{875CF0EB-321F-0749-B37A-89BBA859503C}" type="datetimeFigureOut">
               <a:rPr lang="en-US" smtClean="0"/>
-              <a:t>11/21/14</a:t>
+              <a:t>08/09/15</a:t>
             </a:fld>
             <a:endParaRPr lang="en-US"/>
           </a:p>
@@ -3062,7 +3062,7 @@
           <a:p>
             <a:fld id="{875CF0EB-321F-0749-B37A-89BBA859503C}" type="datetimeFigureOut">
               <a:rPr lang="en-US" smtClean="0"/>
-              <a:t>11/21/14</a:t>
+              <a:t>08/09/15</a:t>
             </a:fld>
             <a:endParaRPr lang="en-US"/>
           </a:p>
@@ -3904,20 +3904,13 @@
           </a:p>
           <a:p>
             <a:r>
-              <a:rPr lang="en-US">
-                <a:ea typeface="ヒラギノ角ゴ ProN W3" charset="0"/>
-                <a:cs typeface="ヒラギノ角ゴ ProN W3" charset="0"/>
-              </a:rPr>
-              <a:t>Dec </a:t>
-            </a:r>
-            <a:r>
               <a:rPr lang="en-US" smtClean="0">
                 <a:ea typeface="ヒラギノ角ゴ ProN W3" charset="0"/>
                 <a:cs typeface="ヒラギノ角ゴ ProN W3" charset="0"/>
               </a:rPr>
-              <a:t>2014</a:t>
-            </a:r>
-            <a:endParaRPr lang="en-US">
+              <a:t>Sep 2015</a:t>
+            </a:r>
+            <a:endParaRPr lang="en-US" dirty="0">
               <a:ea typeface="ヒラギノ角ゴ ProN W3" charset="0"/>
               <a:cs typeface="ヒラギノ角ゴ ProN W3" charset="0"/>
             </a:endParaRPr>
